--- a/Presentacion-Proyecto-Final.pptx
+++ b/Presentacion-Proyecto-Final.pptx
@@ -863,7 +863,7 @@
             <a:fld id="{B61BEF0D-F0BB-DE4B-95CE-6DB70DBA9567}" type="datetimeFigureOut">
               <a:rPr lang="en-US" dirty="0"/>
               <a:pPr/>
-              <a:t>12/20/2024</a:t>
+              <a:t>1/8/2025</a:t>
             </a:fld>
             <a:endParaRPr lang="en-US" dirty="0"/>
           </a:p>
@@ -1111,7 +1111,7 @@
             <a:fld id="{B61BEF0D-F0BB-DE4B-95CE-6DB70DBA9567}" type="datetimeFigureOut">
               <a:rPr lang="en-US" dirty="0"/>
               <a:pPr/>
-              <a:t>12/20/2024</a:t>
+              <a:t>1/8/2025</a:t>
             </a:fld>
             <a:endParaRPr lang="en-US" dirty="0"/>
           </a:p>
@@ -1422,7 +1422,7 @@
             <a:fld id="{B61BEF0D-F0BB-DE4B-95CE-6DB70DBA9567}" type="datetimeFigureOut">
               <a:rPr lang="en-US" dirty="0"/>
               <a:pPr/>
-              <a:t>12/20/2024</a:t>
+              <a:t>1/8/2025</a:t>
             </a:fld>
             <a:endParaRPr lang="en-US" dirty="0"/>
           </a:p>
@@ -1752,7 +1752,7 @@
             <a:fld id="{B61BEF0D-F0BB-DE4B-95CE-6DB70DBA9567}" type="datetimeFigureOut">
               <a:rPr lang="en-US" dirty="0"/>
               <a:pPr/>
-              <a:t>12/20/2024</a:t>
+              <a:t>1/8/2025</a:t>
             </a:fld>
             <a:endParaRPr lang="en-US" dirty="0"/>
           </a:p>
@@ -2063,7 +2063,7 @@
             <a:fld id="{B61BEF0D-F0BB-DE4B-95CE-6DB70DBA9567}" type="datetimeFigureOut">
               <a:rPr lang="en-US" dirty="0"/>
               <a:pPr/>
-              <a:t>12/20/2024</a:t>
+              <a:t>1/8/2025</a:t>
             </a:fld>
             <a:endParaRPr lang="en-US" dirty="0"/>
           </a:p>
@@ -2453,7 +2453,7 @@
             <a:fld id="{B61BEF0D-F0BB-DE4B-95CE-6DB70DBA9567}" type="datetimeFigureOut">
               <a:rPr lang="en-US" dirty="0"/>
               <a:pPr/>
-              <a:t>12/20/2024</a:t>
+              <a:t>1/8/2025</a:t>
             </a:fld>
             <a:endParaRPr lang="en-US" dirty="0"/>
           </a:p>
@@ -2619,7 +2619,7 @@
           <a:p>
             <a:fld id="{55C6B4A9-1611-4792-9094-5F34BCA07E0B}" type="datetimeFigureOut">
               <a:rPr lang="en-US" dirty="0"/>
-              <a:t>12/20/2024</a:t>
+              <a:t>1/8/2025</a:t>
             </a:fld>
             <a:endParaRPr lang="en-US" dirty="0"/>
           </a:p>
@@ -2795,7 +2795,7 @@
             <a:fld id="{B61BEF0D-F0BB-DE4B-95CE-6DB70DBA9567}" type="datetimeFigureOut">
               <a:rPr lang="en-US" dirty="0"/>
               <a:pPr/>
-              <a:t>12/20/2024</a:t>
+              <a:t>1/8/2025</a:t>
             </a:fld>
             <a:endParaRPr lang="en-US" dirty="0"/>
           </a:p>
@@ -2961,7 +2961,7 @@
           <a:p>
             <a:fld id="{42A54C80-263E-416B-A8E0-580EDEADCBDC}" type="datetimeFigureOut">
               <a:rPr lang="en-US" dirty="0"/>
-              <a:t>12/20/2024</a:t>
+              <a:t>1/8/2025</a:t>
             </a:fld>
             <a:endParaRPr lang="en-US" dirty="0"/>
           </a:p>
@@ -3204,7 +3204,7 @@
             <a:fld id="{B61BEF0D-F0BB-DE4B-95CE-6DB70DBA9567}" type="datetimeFigureOut">
               <a:rPr lang="en-US" dirty="0"/>
               <a:pPr/>
-              <a:t>12/20/2024</a:t>
+              <a:t>1/8/2025</a:t>
             </a:fld>
             <a:endParaRPr lang="en-US" dirty="0"/>
           </a:p>
@@ -3432,7 +3432,7 @@
           <a:p>
             <a:fld id="{42A54C80-263E-416B-A8E0-580EDEADCBDC}" type="datetimeFigureOut">
               <a:rPr lang="en-US" dirty="0"/>
-              <a:t>12/20/2024</a:t>
+              <a:t>1/8/2025</a:t>
             </a:fld>
             <a:endParaRPr lang="en-US" dirty="0"/>
           </a:p>
@@ -3802,7 +3802,7 @@
             <a:fld id="{B61BEF0D-F0BB-DE4B-95CE-6DB70DBA9567}" type="datetimeFigureOut">
               <a:rPr lang="en-US" dirty="0"/>
               <a:pPr/>
-              <a:t>12/20/2024</a:t>
+              <a:t>1/8/2025</a:t>
             </a:fld>
             <a:endParaRPr lang="en-US" dirty="0"/>
           </a:p>
@@ -3922,7 +3922,7 @@
             <a:fld id="{B61BEF0D-F0BB-DE4B-95CE-6DB70DBA9567}" type="datetimeFigureOut">
               <a:rPr lang="en-US" dirty="0"/>
               <a:pPr/>
-              <a:t>12/20/2024</a:t>
+              <a:t>1/8/2025</a:t>
             </a:fld>
             <a:endParaRPr lang="en-US" dirty="0"/>
           </a:p>
@@ -4014,7 +4014,7 @@
             <a:fld id="{B61BEF0D-F0BB-DE4B-95CE-6DB70DBA9567}" type="datetimeFigureOut">
               <a:rPr lang="en-US" dirty="0"/>
               <a:pPr/>
-              <a:t>12/20/2024</a:t>
+              <a:t>1/8/2025</a:t>
             </a:fld>
             <a:endParaRPr lang="en-US" dirty="0"/>
           </a:p>
@@ -4265,7 +4265,7 @@
           <a:p>
             <a:fld id="{42A54C80-263E-416B-A8E0-580EDEADCBDC}" type="datetimeFigureOut">
               <a:rPr lang="en-US" dirty="0"/>
-              <a:t>12/20/2024</a:t>
+              <a:t>1/8/2025</a:t>
             </a:fld>
             <a:endParaRPr lang="en-US" dirty="0"/>
           </a:p>
@@ -4567,7 +4567,7 @@
             <a:fld id="{B61BEF0D-F0BB-DE4B-95CE-6DB70DBA9567}" type="datetimeFigureOut">
               <a:rPr lang="en-US" dirty="0"/>
               <a:pPr/>
-              <a:t>12/20/2024</a:t>
+              <a:t>1/8/2025</a:t>
             </a:fld>
             <a:endParaRPr lang="en-US" dirty="0"/>
           </a:p>
@@ -5265,7 +5265,7 @@
             <a:fld id="{B61BEF0D-F0BB-DE4B-95CE-6DB70DBA9567}" type="datetimeFigureOut">
               <a:rPr lang="en-US" dirty="0"/>
               <a:pPr/>
-              <a:t>12/20/2024</a:t>
+              <a:t>1/8/2025</a:t>
             </a:fld>
             <a:endParaRPr lang="en-US" dirty="0"/>
           </a:p>
@@ -6962,7 +6962,7 @@
                 <a:latin typeface="Times New Roman" panose="02020603050405020304" pitchFamily="18" charset="0"/>
                 <a:ea typeface="Times New Roman" panose="02020603050405020304" pitchFamily="18" charset="0"/>
               </a:rPr>
-              <a:t>Usar medidores como informe pisa resultados de la EVAU, tasa de repetidores en secundaria y bachillerato para medir el desempeño educativo</a:t>
+              <a:t>Usar medidores como informe pisa resultados de la EVAU, tasa de repetidores en secundaria y bachillerato para medir el desempeño educativo.</a:t>
             </a:r>
           </a:p>
           <a:p>
@@ -8630,7 +8630,7 @@
               </a:tabLst>
             </a:pPr>
             <a:r>
-              <a:rPr lang="es-ES" sz="3200" dirty="0">
+              <a:rPr lang="es-ES" sz="3200" b="1" dirty="0">
                 <a:solidFill>
                   <a:prstClr val="black">
                     <a:lumMod val="75000"/>
@@ -8640,20 +8640,7 @@
                 <a:latin typeface="Times New Roman" panose="02020603050405020304" pitchFamily="18" charset="0"/>
                 <a:ea typeface="Times New Roman" panose="02020603050405020304" pitchFamily="18" charset="0"/>
               </a:rPr>
-              <a:t> </a:t>
-            </a:r>
-            <a:r>
-              <a:rPr lang="es-ES" sz="3200" b="1" dirty="0">
-                <a:solidFill>
-                  <a:prstClr val="black">
-                    <a:lumMod val="75000"/>
-                    <a:lumOff val="25000"/>
-                  </a:prstClr>
-                </a:solidFill>
-                <a:latin typeface="Times New Roman" panose="02020603050405020304" pitchFamily="18" charset="0"/>
-                <a:ea typeface="Times New Roman" panose="02020603050405020304" pitchFamily="18" charset="0"/>
-              </a:rPr>
-              <a:t>SEPE: </a:t>
+              <a:t>Ministerio de Ciencia, Innovación y Universidades</a:t>
             </a:r>
           </a:p>
           <a:p>
@@ -8696,7 +8683,7 @@
                 <a:latin typeface="Times New Roman" panose="02020603050405020304" pitchFamily="18" charset="0"/>
                 <a:ea typeface="Times New Roman" panose="02020603050405020304" pitchFamily="18" charset="0"/>
               </a:rPr>
-              <a:t>Paro por municipio</a:t>
+              <a:t>Universidades por provincia</a:t>
             </a:r>
           </a:p>
           <a:p>
@@ -9174,13 +9161,13 @@
         </p:nvSpPr>
         <p:spPr>
           <a:xfrm>
-            <a:off x="677334" y="1360170"/>
-            <a:ext cx="8691953" cy="4888230"/>
+            <a:off x="677334" y="1360169"/>
+            <a:ext cx="8715144" cy="5080387"/>
           </a:xfrm>
         </p:spPr>
         <p:txBody>
           <a:bodyPr>
-            <a:normAutofit fontScale="85000" lnSpcReduction="10000"/>
+            <a:normAutofit fontScale="77500" lnSpcReduction="20000"/>
           </a:bodyPr>
           <a:lstStyle/>
           <a:p>
@@ -9256,148 +9243,76 @@
               </a:tabLst>
             </a:pPr>
             <a:r>
-              <a:rPr lang="es-ES" sz="1800" dirty="0"/>
+              <a:rPr lang="es-ES" sz="1900" dirty="0"/>
               <a:t>Censo nacional, autonómico, provincial y municipal</a:t>
             </a:r>
           </a:p>
           <a:p>
             <a:pPr lvl="1"/>
             <a:r>
-              <a:rPr lang="es-ES" sz="1800" dirty="0"/>
-              <a:t>Máximo nivel educativo alcanzado por tamaño de municipio*</a:t>
+              <a:rPr lang="es-ES" sz="1900" dirty="0"/>
+              <a:t>Máximo nivel educativo alcanzado por municipio (para municipios de más de 50 habitantes)</a:t>
             </a:r>
           </a:p>
           <a:p>
             <a:pPr lvl="1"/>
             <a:r>
-              <a:rPr lang="es-ES" sz="1800" dirty="0"/>
-              <a:t>Máximo nivel educativo por lugar de nacimiento (España/extranjero) y sexo.</a:t>
+              <a:rPr lang="es-ES" sz="1900" dirty="0"/>
+              <a:t>Nivel de estudios completados: Población de 15 y más años por sexo, lugar de nacimiento (España/extranjero) y nivel de estudios (detalle) (Municipios de 500 habitantes o más), por Comunidades Autónomas.</a:t>
             </a:r>
           </a:p>
           <a:p>
             <a:pPr lvl="1"/>
             <a:r>
-              <a:rPr lang="es-ES" sz="1800" dirty="0"/>
+              <a:rPr lang="es-ES" sz="1900" dirty="0"/>
+              <a:t>Estudios en curso: Población de 15 y más años por sexo, nacionalidad (española/extranjera), nivel más alto de estudios en curso (agrupado) y relación entre lugar de residencia y lugar de estudios (Capitales de provincia y principales ciudades)</a:t>
+            </a:r>
+          </a:p>
+          <a:p>
+            <a:pPr lvl="1"/>
+            <a:r>
+              <a:rPr lang="es-ES" sz="1900" dirty="0"/>
+              <a:t>Personas entre 18 y 69 años de edad según máximo nivel educativo alcanzado por sexo e ingresos mensuales netos del hogar</a:t>
+            </a:r>
+          </a:p>
+          <a:p>
+            <a:pPr lvl="1"/>
+            <a:r>
+              <a:rPr lang="es-ES" sz="1900" dirty="0"/>
               <a:t>Gasto educativo por persona por comunidad autónoma</a:t>
             </a:r>
           </a:p>
           <a:p>
             <a:pPr lvl="1"/>
             <a:r>
-              <a:rPr lang="es-ES" sz="1800" dirty="0"/>
+              <a:rPr lang="es-ES" sz="1900" dirty="0"/>
               <a:t>Tasa repetidores por curso, comunidad autónoma, provincia</a:t>
             </a:r>
           </a:p>
           <a:p>
             <a:pPr lvl="1"/>
             <a:r>
-              <a:rPr lang="es-ES" sz="1800" dirty="0"/>
+              <a:rPr lang="es-ES" sz="1900" dirty="0"/>
               <a:t>Tasa de paro por provincia, comunidad y nacional</a:t>
             </a:r>
           </a:p>
           <a:p>
             <a:pPr lvl="1"/>
             <a:r>
-              <a:rPr lang="es-ES" sz="1800" dirty="0"/>
+              <a:rPr lang="es-ES" sz="1900" dirty="0"/>
               <a:t>Número de alumnos de ESO y Bachillerato por Comunidad Autónoma</a:t>
             </a:r>
           </a:p>
           <a:p>
             <a:pPr lvl="1"/>
             <a:r>
-              <a:rPr lang="es-ES" sz="1800" dirty="0"/>
+              <a:rPr lang="es-ES" sz="1900" dirty="0"/>
               <a:t>Renta media por comunidad, provincia y municipio.</a:t>
             </a:r>
           </a:p>
           <a:p>
             <a:pPr lvl="1"/>
             <a:endParaRPr lang="es-ES" sz="1800" dirty="0"/>
-          </a:p>
-          <a:p>
-            <a:pPr lvl="0" algn="just">
-              <a:lnSpc>
-                <a:spcPct val="115000"/>
-              </a:lnSpc>
-              <a:spcBef>
-                <a:spcPts val="600"/>
-              </a:spcBef>
-              <a:spcAft>
-                <a:spcPts val="600"/>
-              </a:spcAft>
-              <a:buClr>
-                <a:srgbClr val="5FCBEF"/>
-              </a:buClr>
-              <a:tabLst>
-                <a:tab pos="359410" algn="l"/>
-                <a:tab pos="719455" algn="l"/>
-                <a:tab pos="1079500" algn="l"/>
-                <a:tab pos="1439545" algn="l"/>
-                <a:tab pos="1799590" algn="l"/>
-                <a:tab pos="2159635" algn="l"/>
-                <a:tab pos="2519680" algn="l"/>
-                <a:tab pos="2879725" algn="l"/>
-                <a:tab pos="3239770" algn="l"/>
-                <a:tab pos="3599815" algn="l"/>
-                <a:tab pos="3959860" algn="l"/>
-                <a:tab pos="4319905" algn="l"/>
-              </a:tabLst>
-            </a:pPr>
-            <a:r>
-              <a:rPr lang="es-ES" sz="3200" b="1" dirty="0">
-                <a:solidFill>
-                  <a:prstClr val="black">
-                    <a:lumMod val="75000"/>
-                    <a:lumOff val="25000"/>
-                  </a:prstClr>
-                </a:solidFill>
-                <a:latin typeface="Times New Roman" panose="02020603050405020304" pitchFamily="18" charset="0"/>
-                <a:ea typeface="Times New Roman" panose="02020603050405020304" pitchFamily="18" charset="0"/>
-              </a:rPr>
-              <a:t>Ministerio de Ciencia, Innovación y Universidades</a:t>
-            </a:r>
-          </a:p>
-          <a:p>
-            <a:pPr lvl="1" algn="just">
-              <a:lnSpc>
-                <a:spcPct val="115000"/>
-              </a:lnSpc>
-              <a:spcBef>
-                <a:spcPts val="600"/>
-              </a:spcBef>
-              <a:spcAft>
-                <a:spcPts val="600"/>
-              </a:spcAft>
-              <a:buClr>
-                <a:srgbClr val="5FCBEF"/>
-              </a:buClr>
-              <a:tabLst>
-                <a:tab pos="359410" algn="l"/>
-                <a:tab pos="719455" algn="l"/>
-                <a:tab pos="1079500" algn="l"/>
-                <a:tab pos="1439545" algn="l"/>
-                <a:tab pos="1799590" algn="l"/>
-                <a:tab pos="2159635" algn="l"/>
-                <a:tab pos="2519680" algn="l"/>
-                <a:tab pos="2879725" algn="l"/>
-                <a:tab pos="3239770" algn="l"/>
-                <a:tab pos="3599815" algn="l"/>
-                <a:tab pos="3959860" algn="l"/>
-                <a:tab pos="4319905" algn="l"/>
-              </a:tabLst>
-            </a:pPr>
-            <a:r>
-              <a:rPr lang="es-ES" sz="1800" dirty="0">
-                <a:solidFill>
-                  <a:prstClr val="black">
-                    <a:lumMod val="75000"/>
-                    <a:lumOff val="25000"/>
-                  </a:prstClr>
-                </a:solidFill>
-                <a:latin typeface="Trebuchet MS (Cuerpo)"/>
-                <a:ea typeface="Times New Roman" panose="02020603050405020304" pitchFamily="18" charset="0"/>
-              </a:rPr>
-              <a:t>Universidades por provincia</a:t>
-            </a:r>
           </a:p>
           <a:p>
             <a:pPr marL="457200" lvl="1" indent="0" algn="just">
